--- a/media/WBZ451_WFI32E-Curiosity.pptx
+++ b/media/WBZ451_WFI32E-Curiosity.pptx
@@ -259,7 +259,7 @@
           <a:p>
             <a:fld id="{5E5DD6A7-C01F-874D-8F0A-96B42F5316C1}" type="datetimeFigureOut">
               <a:rPr lang="en-US" smtClean="0"/>
-              <a:t>1/12/23</a:t>
+              <a:t>1/13/23</a:t>
             </a:fld>
             <a:endParaRPr lang="en-US"/>
           </a:p>
@@ -457,7 +457,7 @@
           <a:p>
             <a:fld id="{5E5DD6A7-C01F-874D-8F0A-96B42F5316C1}" type="datetimeFigureOut">
               <a:rPr lang="en-US" smtClean="0"/>
-              <a:t>1/12/23</a:t>
+              <a:t>1/13/23</a:t>
             </a:fld>
             <a:endParaRPr lang="en-US"/>
           </a:p>
@@ -665,7 +665,7 @@
           <a:p>
             <a:fld id="{5E5DD6A7-C01F-874D-8F0A-96B42F5316C1}" type="datetimeFigureOut">
               <a:rPr lang="en-US" smtClean="0"/>
-              <a:t>1/12/23</a:t>
+              <a:t>1/13/23</a:t>
             </a:fld>
             <a:endParaRPr lang="en-US"/>
           </a:p>
@@ -863,7 +863,7 @@
           <a:p>
             <a:fld id="{5E5DD6A7-C01F-874D-8F0A-96B42F5316C1}" type="datetimeFigureOut">
               <a:rPr lang="en-US" smtClean="0"/>
-              <a:t>1/12/23</a:t>
+              <a:t>1/13/23</a:t>
             </a:fld>
             <a:endParaRPr lang="en-US"/>
           </a:p>
@@ -1138,7 +1138,7 @@
           <a:p>
             <a:fld id="{5E5DD6A7-C01F-874D-8F0A-96B42F5316C1}" type="datetimeFigureOut">
               <a:rPr lang="en-US" smtClean="0"/>
-              <a:t>1/12/23</a:t>
+              <a:t>1/13/23</a:t>
             </a:fld>
             <a:endParaRPr lang="en-US"/>
           </a:p>
@@ -1403,7 +1403,7 @@
           <a:p>
             <a:fld id="{5E5DD6A7-C01F-874D-8F0A-96B42F5316C1}" type="datetimeFigureOut">
               <a:rPr lang="en-US" smtClean="0"/>
-              <a:t>1/12/23</a:t>
+              <a:t>1/13/23</a:t>
             </a:fld>
             <a:endParaRPr lang="en-US"/>
           </a:p>
@@ -1815,7 +1815,7 @@
           <a:p>
             <a:fld id="{5E5DD6A7-C01F-874D-8F0A-96B42F5316C1}" type="datetimeFigureOut">
               <a:rPr lang="en-US" smtClean="0"/>
-              <a:t>1/12/23</a:t>
+              <a:t>1/13/23</a:t>
             </a:fld>
             <a:endParaRPr lang="en-US"/>
           </a:p>
@@ -1956,7 +1956,7 @@
           <a:p>
             <a:fld id="{5E5DD6A7-C01F-874D-8F0A-96B42F5316C1}" type="datetimeFigureOut">
               <a:rPr lang="en-US" smtClean="0"/>
-              <a:t>1/12/23</a:t>
+              <a:t>1/13/23</a:t>
             </a:fld>
             <a:endParaRPr lang="en-US"/>
           </a:p>
@@ -2069,7 +2069,7 @@
           <a:p>
             <a:fld id="{5E5DD6A7-C01F-874D-8F0A-96B42F5316C1}" type="datetimeFigureOut">
               <a:rPr lang="en-US" smtClean="0"/>
-              <a:t>1/12/23</a:t>
+              <a:t>1/13/23</a:t>
             </a:fld>
             <a:endParaRPr lang="en-US"/>
           </a:p>
@@ -2380,7 +2380,7 @@
           <a:p>
             <a:fld id="{5E5DD6A7-C01F-874D-8F0A-96B42F5316C1}" type="datetimeFigureOut">
               <a:rPr lang="en-US" smtClean="0"/>
-              <a:t>1/12/23</a:t>
+              <a:t>1/13/23</a:t>
             </a:fld>
             <a:endParaRPr lang="en-US"/>
           </a:p>
@@ -2668,7 +2668,7 @@
           <a:p>
             <a:fld id="{5E5DD6A7-C01F-874D-8F0A-96B42F5316C1}" type="datetimeFigureOut">
               <a:rPr lang="en-US" smtClean="0"/>
-              <a:t>1/12/23</a:t>
+              <a:t>1/13/23</a:t>
             </a:fld>
             <a:endParaRPr lang="en-US"/>
           </a:p>
@@ -2909,7 +2909,7 @@
           <a:p>
             <a:fld id="{5E5DD6A7-C01F-874D-8F0A-96B42F5316C1}" type="datetimeFigureOut">
               <a:rPr lang="en-US" smtClean="0"/>
-              <a:t>1/12/23</a:t>
+              <a:t>1/13/23</a:t>
             </a:fld>
             <a:endParaRPr lang="en-US"/>
           </a:p>
@@ -3453,7 +3453,7 @@
           <p:nvPr>
             <p:extLst>
               <p:ext uri="{D42A27DB-BD31-4B8C-83A1-F6EECF244321}">
-                <p14:modId xmlns:p14="http://schemas.microsoft.com/office/powerpoint/2010/main" val="3139609923"/>
+                <p14:modId xmlns:p14="http://schemas.microsoft.com/office/powerpoint/2010/main" val="2912462415"/>
               </p:ext>
             </p:extLst>
           </p:nvPr>
@@ -3563,7 +3563,7 @@
                       <a:pPr algn="ctr"/>
                       <a:r>
                         <a:rPr lang="en-US" dirty="0"/>
-                        <a:t>TX</a:t>
+                        <a:t>SDA</a:t>
                       </a:r>
                     </a:p>
                   </a:txBody>
@@ -3577,7 +3577,7 @@
                       <a:pPr algn="ctr"/>
                       <a:r>
                         <a:rPr lang="en-US" dirty="0"/>
-                        <a:t>13</a:t>
+                        <a:t>11</a:t>
                       </a:r>
                     </a:p>
                   </a:txBody>
@@ -3598,7 +3598,7 @@
                       <a:pPr algn="ctr"/>
                       <a:r>
                         <a:rPr lang="en-US" dirty="0"/>
-                        <a:t>RX</a:t>
+                        <a:t>SCL</a:t>
                       </a:r>
                     </a:p>
                   </a:txBody>
@@ -3612,7 +3612,7 @@
                       <a:pPr algn="ctr"/>
                       <a:r>
                         <a:rPr lang="en-US" dirty="0"/>
-                        <a:t>14</a:t>
+                        <a:t>12</a:t>
                       </a:r>
                     </a:p>
                   </a:txBody>
@@ -3698,7 +3698,7 @@
           </a:prstGeom>
           <a:ln w="63500">
             <a:solidFill>
-              <a:srgbClr val="FF0000"/>
+              <a:srgbClr val="00B050"/>
             </a:solidFill>
             <a:headEnd type="triangle"/>
             <a:tailEnd type="triangle"/>
@@ -3786,7 +3786,7 @@
           <p:nvPr>
             <p:extLst>
               <p:ext uri="{D42A27DB-BD31-4B8C-83A1-F6EECF244321}">
-                <p14:modId xmlns:p14="http://schemas.microsoft.com/office/powerpoint/2010/main" val="3367660986"/>
+                <p14:modId xmlns:p14="http://schemas.microsoft.com/office/powerpoint/2010/main" val="2340290868"/>
               </p:ext>
             </p:extLst>
           </p:nvPr>
@@ -3896,6 +3896,41 @@
                       <a:pPr algn="ctr"/>
                       <a:r>
                         <a:rPr lang="en-US" dirty="0"/>
+                        <a:t>23</a:t>
+                      </a:r>
+                    </a:p>
+                  </a:txBody>
+                  <a:tcPr/>
+                </a:tc>
+                <a:tc>
+                  <a:txBody>
+                    <a:bodyPr/>
+                    <a:lstStyle/>
+                    <a:p>
+                      <a:pPr algn="ctr"/>
+                      <a:r>
+                        <a:rPr lang="en-US" dirty="0"/>
+                        <a:t>U1TX</a:t>
+                      </a:r>
+                    </a:p>
+                  </a:txBody>
+                  <a:tcPr/>
+                </a:tc>
+                <a:extLst>
+                  <a:ext uri="{0D108BD9-81ED-4DB2-BD59-A6C34878D82A}">
+                    <a16:rowId xmlns:a16="http://schemas.microsoft.com/office/drawing/2014/main" val="177931357"/>
+                  </a:ext>
+                </a:extLst>
+              </a:tr>
+              <a:tr h="370840">
+                <a:tc>
+                  <a:txBody>
+                    <a:bodyPr/>
+                    <a:lstStyle/>
+                    <a:p>
+                      <a:pPr algn="ctr"/>
+                      <a:r>
+                        <a:rPr lang="en-US" dirty="0"/>
                         <a:t>13</a:t>
                       </a:r>
                     </a:p>
@@ -3918,41 +3953,6 @@
                 </a:tc>
                 <a:extLst>
                   <a:ext uri="{0D108BD9-81ED-4DB2-BD59-A6C34878D82A}">
-                    <a16:rowId xmlns:a16="http://schemas.microsoft.com/office/drawing/2014/main" val="177931357"/>
-                  </a:ext>
-                </a:extLst>
-              </a:tr>
-              <a:tr h="370840">
-                <a:tc>
-                  <a:txBody>
-                    <a:bodyPr/>
-                    <a:lstStyle/>
-                    <a:p>
-                      <a:pPr algn="ctr"/>
-                      <a:r>
-                        <a:rPr lang="en-US" dirty="0"/>
-                        <a:t>23</a:t>
-                      </a:r>
-                    </a:p>
-                  </a:txBody>
-                  <a:tcPr/>
-                </a:tc>
-                <a:tc>
-                  <a:txBody>
-                    <a:bodyPr/>
-                    <a:lstStyle/>
-                    <a:p>
-                      <a:pPr algn="ctr"/>
-                      <a:r>
-                        <a:rPr lang="en-US" dirty="0"/>
-                        <a:t>U1TX</a:t>
-                      </a:r>
-                    </a:p>
-                  </a:txBody>
-                  <a:tcPr/>
-                </a:tc>
-                <a:extLst>
-                  <a:ext uri="{0D108BD9-81ED-4DB2-BD59-A6C34878D82A}">
                     <a16:rowId xmlns:a16="http://schemas.microsoft.com/office/drawing/2014/main" val="3558617810"/>
                   </a:ext>
                 </a:extLst>
@@ -4024,7 +4024,7 @@
           </a:prstGeom>
           <a:ln w="63500">
             <a:solidFill>
-              <a:srgbClr val="FF0000"/>
+              <a:srgbClr val="0070C0"/>
             </a:solidFill>
             <a:headEnd type="triangle"/>
             <a:tailEnd type="triangle"/>
@@ -4069,7 +4069,7 @@
           </a:prstGeom>
           <a:ln w="63500">
             <a:solidFill>
-              <a:srgbClr val="FF0000"/>
+              <a:srgbClr val="C00000"/>
             </a:solidFill>
             <a:headEnd type="triangle"/>
             <a:tailEnd type="triangle"/>
